--- a/ppt/09_套件與存取修飾子.pptx
+++ b/ppt/09_套件與存取修飾子.pptx
@@ -204,7 +204,7 @@
           <a:p>
             <a:fld id="{13944194-6483-4812-93AF-B4D587E71D5A}" type="datetimeFigureOut">
               <a:rPr lang="zh-TW" altLang="en-US" smtClean="0"/>
-              <a:t>2024/9/6</a:t>
+              <a:t>2024/11/28</a:t>
             </a:fld>
             <a:endParaRPr lang="zh-TW" altLang="en-US"/>
           </a:p>
@@ -7384,7 +7384,7 @@
         </p:nvGrpSpPr>
         <p:grpSpPr>
           <a:xfrm>
-            <a:off x="838200" y="2397298"/>
+            <a:off x="838200" y="2527426"/>
             <a:ext cx="10515600" cy="488825"/>
             <a:chOff x="838201" y="2331089"/>
             <a:chExt cx="10591799" cy="488825"/>
@@ -7602,7 +7602,7 @@
         </p:nvSpPr>
         <p:spPr>
           <a:xfrm>
-            <a:off x="838200" y="3916451"/>
+            <a:off x="838200" y="4031072"/>
             <a:ext cx="10515600" cy="495110"/>
           </a:xfrm>
           <a:prstGeom prst="rect">
@@ -7835,7 +7835,7 @@
         </p:nvGrpSpPr>
         <p:grpSpPr>
           <a:xfrm>
-            <a:off x="838200" y="4322570"/>
+            <a:off x="838200" y="4540243"/>
             <a:ext cx="10515600" cy="488825"/>
             <a:chOff x="838201" y="2331089"/>
             <a:chExt cx="10591799" cy="488825"/>
@@ -8032,7 +8032,7 @@
         </p:nvSpPr>
         <p:spPr>
           <a:xfrm>
-            <a:off x="838200" y="4855464"/>
+            <a:off x="838200" y="5043126"/>
             <a:ext cx="10515600" cy="1572164"/>
           </a:xfrm>
           <a:prstGeom prst="rect">
@@ -8405,7 +8405,7 @@
         </p:nvSpPr>
         <p:spPr>
           <a:xfrm>
-            <a:off x="838200" y="1956498"/>
+            <a:off x="838200" y="2029552"/>
             <a:ext cx="10515600" cy="483813"/>
           </a:xfrm>
           <a:prstGeom prst="rect">
@@ -8631,7 +8631,7 @@
         </p:nvGrpSpPr>
         <p:grpSpPr>
           <a:xfrm>
-            <a:off x="838200" y="1485445"/>
+            <a:off x="838200" y="1526666"/>
             <a:ext cx="10515600" cy="488825"/>
             <a:chOff x="838201" y="2331089"/>
             <a:chExt cx="10591799" cy="488825"/>
@@ -8817,7 +8817,7 @@
         </p:nvGrpSpPr>
         <p:grpSpPr>
           <a:xfrm>
-            <a:off x="838200" y="3421378"/>
+            <a:off x="838200" y="3528186"/>
             <a:ext cx="10515600" cy="488825"/>
             <a:chOff x="838201" y="2331089"/>
             <a:chExt cx="10591799" cy="488825"/>
@@ -9076,7 +9076,7 @@
         </p:nvSpPr>
         <p:spPr>
           <a:xfrm>
-            <a:off x="838200" y="2928450"/>
+            <a:off x="838200" y="3030312"/>
             <a:ext cx="3441192" cy="483813"/>
           </a:xfrm>
           <a:prstGeom prst="rect">
@@ -17703,12 +17703,26 @@
           </a:xfrm>
         </p:spPr>
         <p:txBody>
-          <a:bodyPr/>
+          <a:bodyPr>
+            <a:normAutofit/>
+          </a:bodyPr>
           <a:lstStyle/>
           <a:p>
             <a:r>
               <a:rPr lang="zh-TW" altLang="en-US"/>
-              <a:t>任何東西的</a:t>
+              <a:t>任何</a:t>
+            </a:r>
+            <a:r>
+              <a:rPr lang="zh-TW" altLang="en-US">
+                <a:solidFill>
+                  <a:srgbClr val="00B0F0"/>
+                </a:solidFill>
+              </a:rPr>
+              <a:t>成員</a:t>
+            </a:r>
+            <a:r>
+              <a:rPr lang="zh-TW" altLang="en-US"/>
+              <a:t>的</a:t>
             </a:r>
             <a:r>
               <a:rPr lang="zh-TW" altLang="en-US">

--- a/ppt/09_套件與存取修飾子.pptx
+++ b/ppt/09_套件與存取修飾子.pptx
@@ -2,7 +2,7 @@
 <file path=ppt/presentation.xml><?xml version="1.0" encoding="utf-8"?>
 <p:presentation xmlns:a="http://schemas.openxmlformats.org/drawingml/2006/main" xmlns:r="http://schemas.openxmlformats.org/officeDocument/2006/relationships" xmlns:p="http://schemas.openxmlformats.org/presentationml/2006/main" saveSubsetFonts="1">
   <p:sldMasterIdLst>
-    <p:sldMasterId id="2147483673" r:id="rId1"/>
+    <p:sldMasterId id="2147483678" r:id="rId1"/>
   </p:sldMasterIdLst>
   <p:notesMasterIdLst>
     <p:notesMasterId r:id="rId10"/>
@@ -204,7 +204,7 @@
           <a:p>
             <a:fld id="{13944194-6483-4812-93AF-B4D587E71D5A}" type="datetimeFigureOut">
               <a:rPr lang="zh-TW" altLang="en-US" smtClean="0"/>
-              <a:t>2024/11/28</a:t>
+              <a:t>2025/2/11</a:t>
             </a:fld>
             <a:endParaRPr lang="zh-TW" altLang="en-US"/>
           </a:p>
@@ -766,7 +766,7 @@
     </p:spTree>
     <p:extLst>
       <p:ext uri="{BB962C8B-B14F-4D97-AF65-F5344CB8AC3E}">
-        <p14:creationId xmlns:p14="http://schemas.microsoft.com/office/powerpoint/2010/main" val="225728378"/>
+        <p14:creationId xmlns:p14="http://schemas.microsoft.com/office/powerpoint/2010/main" val="1275860836"/>
       </p:ext>
     </p:extLst>
   </p:cSld>
@@ -1150,7 +1150,7 @@
     </p:spTree>
     <p:extLst>
       <p:ext uri="{BB962C8B-B14F-4D97-AF65-F5344CB8AC3E}">
-        <p14:creationId xmlns:p14="http://schemas.microsoft.com/office/powerpoint/2010/main" val="2507548420"/>
+        <p14:creationId xmlns:p14="http://schemas.microsoft.com/office/powerpoint/2010/main" val="3857448858"/>
       </p:ext>
     </p:extLst>
   </p:cSld>
@@ -1477,7 +1477,7 @@
     </p:spTree>
     <p:extLst>
       <p:ext uri="{BB962C8B-B14F-4D97-AF65-F5344CB8AC3E}">
-        <p14:creationId xmlns:p14="http://schemas.microsoft.com/office/powerpoint/2010/main" val="2430249321"/>
+        <p14:creationId xmlns:p14="http://schemas.microsoft.com/office/powerpoint/2010/main" val="718974039"/>
       </p:ext>
     </p:extLst>
   </p:cSld>
@@ -1776,7 +1776,7 @@
     </p:spTree>
     <p:extLst>
       <p:ext uri="{BB962C8B-B14F-4D97-AF65-F5344CB8AC3E}">
-        <p14:creationId xmlns:p14="http://schemas.microsoft.com/office/powerpoint/2010/main" val="2894355520"/>
+        <p14:creationId xmlns:p14="http://schemas.microsoft.com/office/powerpoint/2010/main" val="1549989017"/>
       </p:ext>
     </p:extLst>
   </p:cSld>
@@ -2009,16 +2009,16 @@
     </p:spTree>
     <p:extLst>
       <p:ext uri="{BB962C8B-B14F-4D97-AF65-F5344CB8AC3E}">
-        <p14:creationId xmlns:p14="http://schemas.microsoft.com/office/powerpoint/2010/main" val="2971567285"/>
+        <p14:creationId xmlns:p14="http://schemas.microsoft.com/office/powerpoint/2010/main" val="2984228815"/>
       </p:ext>
     </p:extLst>
   </p:cSld>
   <p:clrMap bg1="dk1" tx1="lt1" bg2="dk2" tx2="lt2" accent1="accent1" accent2="accent2" accent3="accent3" accent4="accent4" accent5="accent5" accent6="accent6" hlink="hlink" folHlink="folHlink"/>
   <p:sldLayoutIdLst>
-    <p:sldLayoutId id="2147483674" r:id="rId1"/>
-    <p:sldLayoutId id="2147483675" r:id="rId2"/>
-    <p:sldLayoutId id="2147483676" r:id="rId3"/>
-    <p:sldLayoutId id="2147483677" r:id="rId4"/>
+    <p:sldLayoutId id="2147483679" r:id="rId1"/>
+    <p:sldLayoutId id="2147483680" r:id="rId2"/>
+    <p:sldLayoutId id="2147483681" r:id="rId3"/>
+    <p:sldLayoutId id="2147483682" r:id="rId4"/>
   </p:sldLayoutIdLst>
   <p:transition spd="slow">
     <p:push dir="u"/>
@@ -19512,7 +19512,7 @@
   <a:extraClrSchemeLst/>
   <a:extLst>
     <a:ext uri="{05A4C25C-085E-4340-85A3-A5531E510DB2}">
-      <thm15:themeFamily xmlns:thm15="http://schemas.microsoft.com/office/thememl/2012/main" name="TYIC" id="{1CBE48E2-41FD-4EDA-8801-606A138B7FC3}" vid="{F6EAACDE-0833-4468-B256-0551E0034979}"/>
+      <thm15:themeFamily xmlns:thm15="http://schemas.microsoft.com/office/thememl/2012/main" name="TYIC" id="{F8B8016E-470C-4FE5-A78C-33B2A9D17434}" vid="{BC6C4CDA-A093-4978-B969-B6482D48D481}"/>
     </a:ext>
   </a:extLst>
 </a:theme>

--- a/ppt/09_套件與存取修飾子.pptx
+++ b/ppt/09_套件與存取修飾子.pptx
@@ -2,7 +2,7 @@
 <file path=ppt/presentation.xml><?xml version="1.0" encoding="utf-8"?>
 <p:presentation xmlns:a="http://schemas.openxmlformats.org/drawingml/2006/main" xmlns:r="http://schemas.openxmlformats.org/officeDocument/2006/relationships" xmlns:p="http://schemas.openxmlformats.org/presentationml/2006/main" saveSubsetFonts="1">
   <p:sldMasterIdLst>
-    <p:sldMasterId id="2147483678" r:id="rId1"/>
+    <p:sldMasterId id="2147483683" r:id="rId1"/>
   </p:sldMasterIdLst>
   <p:notesMasterIdLst>
     <p:notesMasterId r:id="rId10"/>
@@ -204,7 +204,7 @@
           <a:p>
             <a:fld id="{13944194-6483-4812-93AF-B4D587E71D5A}" type="datetimeFigureOut">
               <a:rPr lang="zh-TW" altLang="en-US" smtClean="0"/>
-              <a:t>2025/2/11</a:t>
+              <a:t>2025/2/28</a:t>
             </a:fld>
             <a:endParaRPr lang="zh-TW" altLang="en-US"/>
           </a:p>
@@ -766,14 +766,14 @@
     </p:spTree>
     <p:extLst>
       <p:ext uri="{BB962C8B-B14F-4D97-AF65-F5344CB8AC3E}">
-        <p14:creationId xmlns:p14="http://schemas.microsoft.com/office/powerpoint/2010/main" val="1275860836"/>
+        <p14:creationId xmlns:p14="http://schemas.microsoft.com/office/powerpoint/2010/main" val="889745448"/>
       </p:ext>
     </p:extLst>
   </p:cSld>
   <p:clrMapOvr>
     <a:masterClrMapping/>
   </p:clrMapOvr>
-  <p:transition spd="slow">
+  <p:transition>
     <p:push dir="u"/>
   </p:transition>
 </p:sldLayout>
@@ -1150,14 +1150,14 @@
     </p:spTree>
     <p:extLst>
       <p:ext uri="{BB962C8B-B14F-4D97-AF65-F5344CB8AC3E}">
-        <p14:creationId xmlns:p14="http://schemas.microsoft.com/office/powerpoint/2010/main" val="3857448858"/>
+        <p14:creationId xmlns:p14="http://schemas.microsoft.com/office/powerpoint/2010/main" val="1916314748"/>
       </p:ext>
     </p:extLst>
   </p:cSld>
   <p:clrMapOvr>
     <a:masterClrMapping/>
   </p:clrMapOvr>
-  <p:transition spd="slow">
+  <p:transition>
     <p:push dir="u"/>
   </p:transition>
 </p:sldLayout>
@@ -1477,14 +1477,14 @@
     </p:spTree>
     <p:extLst>
       <p:ext uri="{BB962C8B-B14F-4D97-AF65-F5344CB8AC3E}">
-        <p14:creationId xmlns:p14="http://schemas.microsoft.com/office/powerpoint/2010/main" val="718974039"/>
+        <p14:creationId xmlns:p14="http://schemas.microsoft.com/office/powerpoint/2010/main" val="4008265953"/>
       </p:ext>
     </p:extLst>
   </p:cSld>
   <p:clrMapOvr>
     <a:masterClrMapping/>
   </p:clrMapOvr>
-  <p:transition spd="slow">
+  <p:transition>
     <p:push dir="u"/>
   </p:transition>
 </p:sldLayout>
@@ -1776,14 +1776,14 @@
     </p:spTree>
     <p:extLst>
       <p:ext uri="{BB962C8B-B14F-4D97-AF65-F5344CB8AC3E}">
-        <p14:creationId xmlns:p14="http://schemas.microsoft.com/office/powerpoint/2010/main" val="1549989017"/>
+        <p14:creationId xmlns:p14="http://schemas.microsoft.com/office/powerpoint/2010/main" val="2237670451"/>
       </p:ext>
     </p:extLst>
   </p:cSld>
   <p:clrMapOvr>
     <a:masterClrMapping/>
   </p:clrMapOvr>
-  <p:transition spd="slow">
+  <p:transition>
     <p:push dir="u"/>
   </p:transition>
 </p:sldLayout>
@@ -2009,18 +2009,18 @@
     </p:spTree>
     <p:extLst>
       <p:ext uri="{BB962C8B-B14F-4D97-AF65-F5344CB8AC3E}">
-        <p14:creationId xmlns:p14="http://schemas.microsoft.com/office/powerpoint/2010/main" val="2984228815"/>
+        <p14:creationId xmlns:p14="http://schemas.microsoft.com/office/powerpoint/2010/main" val="2507242049"/>
       </p:ext>
     </p:extLst>
   </p:cSld>
   <p:clrMap bg1="dk1" tx1="lt1" bg2="dk2" tx2="lt2" accent1="accent1" accent2="accent2" accent3="accent3" accent4="accent4" accent5="accent5" accent6="accent6" hlink="hlink" folHlink="folHlink"/>
   <p:sldLayoutIdLst>
-    <p:sldLayoutId id="2147483679" r:id="rId1"/>
-    <p:sldLayoutId id="2147483680" r:id="rId2"/>
-    <p:sldLayoutId id="2147483681" r:id="rId3"/>
-    <p:sldLayoutId id="2147483682" r:id="rId4"/>
+    <p:sldLayoutId id="2147483684" r:id="rId1"/>
+    <p:sldLayoutId id="2147483685" r:id="rId2"/>
+    <p:sldLayoutId id="2147483686" r:id="rId3"/>
+    <p:sldLayoutId id="2147483687" r:id="rId4"/>
   </p:sldLayoutIdLst>
-  <p:transition spd="slow">
+  <p:transition>
     <p:push dir="u"/>
   </p:transition>
   <p:txStyles>
@@ -2393,7 +2393,7 @@
   <p:clrMapOvr>
     <a:masterClrMapping/>
   </p:clrMapOvr>
-  <p:transition spd="slow">
+  <p:transition>
     <p:push dir="u"/>
   </p:transition>
 </p:sld>
@@ -2824,7 +2824,7 @@
   <p:clrMapOvr>
     <a:masterClrMapping/>
   </p:clrMapOvr>
-  <p:transition spd="slow">
+  <p:transition>
     <p:push dir="u"/>
   </p:transition>
 </p:sld>
@@ -3736,7 +3736,7 @@
   <p:clrMapOvr>
     <a:masterClrMapping/>
   </p:clrMapOvr>
-  <p:transition spd="slow">
+  <p:transition>
     <p:push dir="u"/>
   </p:transition>
 </p:sld>
@@ -7242,7 +7242,7 @@
   <p:clrMapOvr>
     <a:masterClrMapping/>
   </p:clrMapOvr>
-  <p:transition spd="slow">
+  <p:transition>
     <p:push dir="u"/>
   </p:transition>
 </p:sld>
@@ -9285,7 +9285,7 @@
   <p:clrMapOvr>
     <a:masterClrMapping/>
   </p:clrMapOvr>
-  <p:transition spd="slow">
+  <p:transition>
     <p:push dir="u"/>
   </p:transition>
 </p:sld>
@@ -13124,7 +13124,7 @@
   <p:clrMapOvr>
     <a:masterClrMapping/>
   </p:clrMapOvr>
-  <p:transition spd="slow">
+  <p:transition>
     <p:push dir="u"/>
   </p:transition>
 </p:sld>
@@ -17629,7 +17629,7 @@
   <p:clrMapOvr>
     <a:masterClrMapping/>
   </p:clrMapOvr>
-  <p:transition spd="slow">
+  <p:transition>
     <p:push dir="u"/>
   </p:transition>
 </p:sld>
@@ -19285,7 +19285,7 @@
   <p:clrMapOvr>
     <a:masterClrMapping/>
   </p:clrMapOvr>
-  <p:transition spd="slow">
+  <p:transition>
     <p:push dir="u"/>
   </p:transition>
 </p:sld>
@@ -19512,7 +19512,7 @@
   <a:extraClrSchemeLst/>
   <a:extLst>
     <a:ext uri="{05A4C25C-085E-4340-85A3-A5531E510DB2}">
-      <thm15:themeFamily xmlns:thm15="http://schemas.microsoft.com/office/thememl/2012/main" name="TYIC" id="{F8B8016E-470C-4FE5-A78C-33B2A9D17434}" vid="{BC6C4CDA-A093-4978-B969-B6482D48D481}"/>
+      <thm15:themeFamily xmlns:thm15="http://schemas.microsoft.com/office/thememl/2012/main" name="TYIC" id="{5F22F33A-EA50-4F22-9F2C-8A64A179567F}" vid="{3247D5A2-1B78-4AF4-9AA5-9AF4332DE771}"/>
     </a:ext>
   </a:extLst>
 </a:theme>

--- a/ppt/09_套件與存取修飾子.pptx
+++ b/ppt/09_套件與存取修飾子.pptx
@@ -204,7 +204,7 @@
           <a:p>
             <a:fld id="{13944194-6483-4812-93AF-B4D587E71D5A}" type="datetimeFigureOut">
               <a:rPr lang="zh-TW" altLang="en-US" smtClean="0"/>
-              <a:t>2025/2/28</a:t>
+              <a:t>2025/3/27</a:t>
             </a:fld>
             <a:endParaRPr lang="zh-TW" altLang="en-US"/>
           </a:p>
